--- a/submissionVersion/HW2Presentation.pptx
+++ b/submissionVersion/HW2Presentation.pptx
@@ -5,14 +5,18 @@
     <p:sldMasterId id="2147483648" r:id="rId1"/>
   </p:sldMasterIdLst>
   <p:notesMasterIdLst>
-    <p:notesMasterId r:id="rId7"/>
+    <p:notesMasterId r:id="rId11"/>
   </p:notesMasterIdLst>
   <p:sldIdLst>
     <p:sldId id="257" r:id="rId2"/>
     <p:sldId id="259" r:id="rId3"/>
     <p:sldId id="278" r:id="rId4"/>
     <p:sldId id="279" r:id="rId5"/>
-    <p:sldId id="277" r:id="rId6"/>
+    <p:sldId id="280" r:id="rId6"/>
+    <p:sldId id="281" r:id="rId7"/>
+    <p:sldId id="282" r:id="rId8"/>
+    <p:sldId id="283" r:id="rId9"/>
+    <p:sldId id="277" r:id="rId10"/>
   </p:sldIdLst>
   <p:sldSz cx="12192000" cy="6858000"/>
   <p:notesSz cx="6858000" cy="9144000"/>
@@ -5105,6 +5109,692 @@
 </file>
 
 <file path=ppt/slides/slide5.xml><?xml version="1.0" encoding="utf-8"?>
+<p:sld xmlns:a="http://schemas.openxmlformats.org/drawingml/2006/main" xmlns:r="http://schemas.openxmlformats.org/officeDocument/2006/relationships" xmlns:p="http://schemas.openxmlformats.org/presentationml/2006/main">
+  <p:cSld>
+    <p:spTree>
+      <p:nvGrpSpPr>
+        <p:cNvPr id="1" name=""/>
+        <p:cNvGrpSpPr/>
+        <p:nvPr/>
+      </p:nvGrpSpPr>
+      <p:grpSpPr>
+        <a:xfrm>
+          <a:off x="0" y="0"/>
+          <a:ext cx="0" cy="0"/>
+          <a:chOff x="0" y="0"/>
+          <a:chExt cx="0" cy="0"/>
+        </a:xfrm>
+      </p:grpSpPr>
+      <p:sp>
+        <p:nvSpPr>
+          <p:cNvPr id="2" name="文本框 1">
+            <a:extLst>
+              <a:ext uri="{FF2B5EF4-FFF2-40B4-BE49-F238E27FC236}">
+                <a16:creationId xmlns:a16="http://schemas.microsoft.com/office/drawing/2014/main" id="{D3896CA7-198F-4232-8E22-31771C5842B1}"/>
+              </a:ext>
+            </a:extLst>
+          </p:cNvPr>
+          <p:cNvSpPr txBox="1"/>
+          <p:nvPr/>
+        </p:nvSpPr>
+        <p:spPr>
+          <a:xfrm>
+            <a:off x="490194" y="301658"/>
+            <a:ext cx="5137608" cy="646331"/>
+          </a:xfrm>
+          <a:prstGeom prst="rect">
+            <a:avLst/>
+          </a:prstGeom>
+          <a:noFill/>
+        </p:spPr>
+        <p:txBody>
+          <a:bodyPr wrap="square" rtlCol="0">
+            <a:spAutoFit/>
+          </a:bodyPr>
+          <a:lstStyle/>
+          <a:p>
+            <a:r>
+              <a:rPr lang="en-US" altLang="zh-CN" sz="3600" dirty="0"/>
+              <a:t>2. Implement Details</a:t>
+            </a:r>
+            <a:endParaRPr lang="zh-CN" altLang="en-US" sz="3600" dirty="0"/>
+          </a:p>
+        </p:txBody>
+      </p:sp>
+      <p:sp>
+        <p:nvSpPr>
+          <p:cNvPr id="3" name="文本框 2">
+            <a:extLst>
+              <a:ext uri="{FF2B5EF4-FFF2-40B4-BE49-F238E27FC236}">
+                <a16:creationId xmlns:a16="http://schemas.microsoft.com/office/drawing/2014/main" id="{C060A188-031D-4575-9A96-2505DE1D4A9D}"/>
+              </a:ext>
+            </a:extLst>
+          </p:cNvPr>
+          <p:cNvSpPr txBox="1"/>
+          <p:nvPr/>
+        </p:nvSpPr>
+        <p:spPr>
+          <a:xfrm>
+            <a:off x="779282" y="1735155"/>
+            <a:ext cx="10633435" cy="4031873"/>
+          </a:xfrm>
+          <a:prstGeom prst="rect">
+            <a:avLst/>
+          </a:prstGeom>
+          <a:noFill/>
+        </p:spPr>
+        <p:txBody>
+          <a:bodyPr wrap="square" rtlCol="0">
+            <a:spAutoFit/>
+          </a:bodyPr>
+          <a:lstStyle/>
+          <a:p>
+            <a:pPr algn="just"/>
+            <a:r>
+              <a:rPr lang="en-US" altLang="zh-CN" sz="3200" dirty="0"/>
+              <a:t>	Third, we calculate the slope of each link with matched probe points’ data. We use the two furthest probe points’ coordination on each link to calculate it’s overall slope. The angle calculate is simple, done with sin function.</a:t>
+            </a:r>
+          </a:p>
+          <a:p>
+            <a:pPr algn="just"/>
+            <a:r>
+              <a:rPr lang="en-US" altLang="zh-CN" sz="3200" dirty="0"/>
+              <a:t>	We noticed that there has some links which contains a strange data, such as the side road of the bridge. We added a threshold for ignoring that data since it is hard to process them.</a:t>
+            </a:r>
+          </a:p>
+        </p:txBody>
+      </p:sp>
+    </p:spTree>
+    <p:extLst>
+      <p:ext uri="{BB962C8B-B14F-4D97-AF65-F5344CB8AC3E}">
+        <p14:creationId xmlns:p14="http://schemas.microsoft.com/office/powerpoint/2010/main" val="1586567647"/>
+      </p:ext>
+    </p:extLst>
+  </p:cSld>
+  <p:clrMapOvr>
+    <a:masterClrMapping/>
+  </p:clrMapOvr>
+</p:sld>
+</file>
+
+<file path=ppt/slides/slide6.xml><?xml version="1.0" encoding="utf-8"?>
+<p:sld xmlns:a="http://schemas.openxmlformats.org/drawingml/2006/main" xmlns:r="http://schemas.openxmlformats.org/officeDocument/2006/relationships" xmlns:p="http://schemas.openxmlformats.org/presentationml/2006/main">
+  <p:cSld>
+    <p:spTree>
+      <p:nvGrpSpPr>
+        <p:cNvPr id="1" name=""/>
+        <p:cNvGrpSpPr/>
+        <p:nvPr/>
+      </p:nvGrpSpPr>
+      <p:grpSpPr>
+        <a:xfrm>
+          <a:off x="0" y="0"/>
+          <a:ext cx="0" cy="0"/>
+          <a:chOff x="0" y="0"/>
+          <a:chExt cx="0" cy="0"/>
+        </a:xfrm>
+      </p:grpSpPr>
+      <p:sp>
+        <p:nvSpPr>
+          <p:cNvPr id="2" name="文本框 1">
+            <a:extLst>
+              <a:ext uri="{FF2B5EF4-FFF2-40B4-BE49-F238E27FC236}">
+                <a16:creationId xmlns:a16="http://schemas.microsoft.com/office/drawing/2014/main" id="{0CBE7D78-7852-4E3F-941A-9E5A2338669B}"/>
+              </a:ext>
+            </a:extLst>
+          </p:cNvPr>
+          <p:cNvSpPr txBox="1"/>
+          <p:nvPr/>
+        </p:nvSpPr>
+        <p:spPr>
+          <a:xfrm>
+            <a:off x="490194" y="301658"/>
+            <a:ext cx="5137608" cy="646331"/>
+          </a:xfrm>
+          <a:prstGeom prst="rect">
+            <a:avLst/>
+          </a:prstGeom>
+          <a:noFill/>
+        </p:spPr>
+        <p:txBody>
+          <a:bodyPr wrap="square" rtlCol="0">
+            <a:spAutoFit/>
+          </a:bodyPr>
+          <a:lstStyle/>
+          <a:p>
+            <a:r>
+              <a:rPr lang="en-US" altLang="zh-CN" sz="3600" dirty="0"/>
+              <a:t>2. Implement Details</a:t>
+            </a:r>
+            <a:endParaRPr lang="zh-CN" altLang="en-US" sz="3600" dirty="0"/>
+          </a:p>
+        </p:txBody>
+      </p:sp>
+      <mc:AlternateContent xmlns:mc="http://schemas.openxmlformats.org/markup-compatibility/2006">
+        <mc:Choice xmlns:a14="http://schemas.microsoft.com/office/drawing/2010/main" Requires="a14">
+          <p:sp>
+            <p:nvSpPr>
+              <p:cNvPr id="3" name="文本框 2">
+                <a:extLst>
+                  <a:ext uri="{FF2B5EF4-FFF2-40B4-BE49-F238E27FC236}">
+                    <a16:creationId xmlns:a16="http://schemas.microsoft.com/office/drawing/2014/main" id="{203DCA77-881E-4056-A99C-6AF8EF7008CB}"/>
+                  </a:ext>
+                </a:extLst>
+              </p:cNvPr>
+              <p:cNvSpPr txBox="1"/>
+              <p:nvPr/>
+            </p:nvSpPr>
+            <p:spPr>
+              <a:xfrm>
+                <a:off x="779282" y="1735155"/>
+                <a:ext cx="10633435" cy="3479094"/>
+              </a:xfrm>
+              <a:prstGeom prst="rect">
+                <a:avLst/>
+              </a:prstGeom>
+              <a:noFill/>
+            </p:spPr>
+            <p:txBody>
+              <a:bodyPr wrap="square" rtlCol="0">
+                <a:spAutoFit/>
+              </a:bodyPr>
+              <a:lstStyle/>
+              <a:p>
+                <a:pPr algn="just"/>
+                <a:r>
+                  <a:rPr lang="en-US" altLang="zh-CN" sz="3200" dirty="0"/>
+                  <a:t>	Finally, we evaluated those slope which been calculated before with given links’ slope. </a:t>
+                </a:r>
+              </a:p>
+              <a:p>
+                <a:pPr algn="just"/>
+                <a:r>
+                  <a:rPr lang="en-US" altLang="zh-CN" sz="3200" dirty="0"/>
+                  <a:t>	We get the average slope of every link and compare it with links’ given slope with this evaluate function: </a:t>
+                </a:r>
+                <a14:m>
+                  <m:oMath xmlns:m="http://schemas.openxmlformats.org/officeDocument/2006/math">
+                    <m:f>
+                      <m:fPr>
+                        <m:ctrlPr>
+                          <a:rPr lang="en-US" altLang="zh-CN" sz="3200" i="1" smtClean="0">
+                            <a:latin typeface="Cambria Math" panose="02040503050406030204" pitchFamily="18" charset="0"/>
+                          </a:rPr>
+                        </m:ctrlPr>
+                      </m:fPr>
+                      <m:num>
+                        <m:d>
+                          <m:dPr>
+                            <m:begChr m:val="|"/>
+                            <m:endChr m:val="|"/>
+                            <m:ctrlPr>
+                              <a:rPr lang="en-US" altLang="zh-CN" sz="3200" i="1" smtClean="0">
+                                <a:latin typeface="Cambria Math" panose="02040503050406030204" pitchFamily="18" charset="0"/>
+                              </a:rPr>
+                            </m:ctrlPr>
+                          </m:dPr>
+                          <m:e>
+                            <m:sSub>
+                              <m:sSubPr>
+                                <m:ctrlPr>
+                                  <a:rPr lang="en-US" altLang="zh-CN" sz="3200" i="1" smtClean="0">
+                                    <a:latin typeface="Cambria Math" panose="02040503050406030204" pitchFamily="18" charset="0"/>
+                                  </a:rPr>
+                                </m:ctrlPr>
+                              </m:sSubPr>
+                              <m:e>
+                                <m:r>
+                                  <a:rPr lang="en-US" altLang="zh-CN" sz="3200" b="0" i="1" smtClean="0">
+                                    <a:latin typeface="Cambria Math" panose="02040503050406030204" pitchFamily="18" charset="0"/>
+                                  </a:rPr>
+                                  <m:t>𝑆</m:t>
+                                </m:r>
+                              </m:e>
+                              <m:sub>
+                                <m:r>
+                                  <a:rPr lang="en-US" altLang="zh-CN" sz="3200" b="0" i="1" smtClean="0">
+                                    <a:latin typeface="Cambria Math" panose="02040503050406030204" pitchFamily="18" charset="0"/>
+                                  </a:rPr>
+                                  <m:t>𝑐𝑎𝑙𝑐𝑢𝑙𝑎𝑡𝑒𝑑</m:t>
+                                </m:r>
+                              </m:sub>
+                            </m:sSub>
+                            <m:r>
+                              <a:rPr lang="en-US" altLang="zh-CN" sz="3200" b="0" i="1" smtClean="0">
+                                <a:latin typeface="Cambria Math" panose="02040503050406030204" pitchFamily="18" charset="0"/>
+                              </a:rPr>
+                              <m:t>−</m:t>
+                            </m:r>
+                            <m:sSub>
+                              <m:sSubPr>
+                                <m:ctrlPr>
+                                  <a:rPr lang="en-US" altLang="zh-CN" sz="3200" b="0" i="1" smtClean="0">
+                                    <a:latin typeface="Cambria Math" panose="02040503050406030204" pitchFamily="18" charset="0"/>
+                                  </a:rPr>
+                                </m:ctrlPr>
+                              </m:sSubPr>
+                              <m:e>
+                                <m:r>
+                                  <a:rPr lang="en-US" altLang="zh-CN" sz="3200" b="0" i="1" smtClean="0">
+                                    <a:latin typeface="Cambria Math" panose="02040503050406030204" pitchFamily="18" charset="0"/>
+                                  </a:rPr>
+                                  <m:t>𝑆</m:t>
+                                </m:r>
+                              </m:e>
+                              <m:sub>
+                                <m:r>
+                                  <a:rPr lang="en-US" altLang="zh-CN" sz="3200" b="0" i="1" smtClean="0">
+                                    <a:latin typeface="Cambria Math" panose="02040503050406030204" pitchFamily="18" charset="0"/>
+                                  </a:rPr>
+                                  <m:t>𝑔𝑖𝑣𝑒𝑛</m:t>
+                                </m:r>
+                              </m:sub>
+                            </m:sSub>
+                          </m:e>
+                        </m:d>
+                      </m:num>
+                      <m:den>
+                        <m:d>
+                          <m:dPr>
+                            <m:begChr m:val="|"/>
+                            <m:endChr m:val="|"/>
+                            <m:ctrlPr>
+                              <a:rPr lang="en-US" altLang="zh-CN" sz="3200" i="1" smtClean="0">
+                                <a:latin typeface="Cambria Math" panose="02040503050406030204" pitchFamily="18" charset="0"/>
+                              </a:rPr>
+                            </m:ctrlPr>
+                          </m:dPr>
+                          <m:e>
+                            <m:d>
+                              <m:dPr>
+                                <m:ctrlPr>
+                                  <a:rPr lang="en-US" altLang="zh-CN" sz="3200" i="1" smtClean="0">
+                                    <a:latin typeface="Cambria Math" panose="02040503050406030204" pitchFamily="18" charset="0"/>
+                                  </a:rPr>
+                                </m:ctrlPr>
+                              </m:dPr>
+                              <m:e>
+                                <m:sSub>
+                                  <m:sSubPr>
+                                    <m:ctrlPr>
+                                      <a:rPr lang="en-US" altLang="zh-CN" sz="3200" i="1">
+                                        <a:latin typeface="Cambria Math" panose="02040503050406030204" pitchFamily="18" charset="0"/>
+                                      </a:rPr>
+                                    </m:ctrlPr>
+                                  </m:sSubPr>
+                                  <m:e>
+                                    <m:r>
+                                      <a:rPr lang="en-US" altLang="zh-CN" sz="3200" i="1">
+                                        <a:latin typeface="Cambria Math" panose="02040503050406030204" pitchFamily="18" charset="0"/>
+                                      </a:rPr>
+                                      <m:t>𝑆</m:t>
+                                    </m:r>
+                                  </m:e>
+                                  <m:sub>
+                                    <m:r>
+                                      <a:rPr lang="en-US" altLang="zh-CN" sz="3200" i="1">
+                                        <a:latin typeface="Cambria Math" panose="02040503050406030204" pitchFamily="18" charset="0"/>
+                                      </a:rPr>
+                                      <m:t>𝑐𝑎𝑙𝑐𝑢𝑙𝑎𝑡𝑒𝑑</m:t>
+                                    </m:r>
+                                  </m:sub>
+                                </m:sSub>
+                                <m:r>
+                                  <a:rPr lang="en-US" altLang="zh-CN" sz="3200" b="0" i="1" smtClean="0">
+                                    <a:latin typeface="Cambria Math" panose="02040503050406030204" pitchFamily="18" charset="0"/>
+                                  </a:rPr>
+                                  <m:t>+</m:t>
+                                </m:r>
+                                <m:sSub>
+                                  <m:sSubPr>
+                                    <m:ctrlPr>
+                                      <a:rPr lang="en-US" altLang="zh-CN" sz="3200" i="1">
+                                        <a:latin typeface="Cambria Math" panose="02040503050406030204" pitchFamily="18" charset="0"/>
+                                      </a:rPr>
+                                    </m:ctrlPr>
+                                  </m:sSubPr>
+                                  <m:e>
+                                    <m:r>
+                                      <a:rPr lang="en-US" altLang="zh-CN" sz="3200" i="1">
+                                        <a:latin typeface="Cambria Math" panose="02040503050406030204" pitchFamily="18" charset="0"/>
+                                      </a:rPr>
+                                      <m:t>𝑆</m:t>
+                                    </m:r>
+                                  </m:e>
+                                  <m:sub>
+                                    <m:r>
+                                      <a:rPr lang="en-US" altLang="zh-CN" sz="3200" i="1">
+                                        <a:latin typeface="Cambria Math" panose="02040503050406030204" pitchFamily="18" charset="0"/>
+                                      </a:rPr>
+                                      <m:t>𝑔𝑖𝑣𝑒𝑛</m:t>
+                                    </m:r>
+                                  </m:sub>
+                                </m:sSub>
+                              </m:e>
+                            </m:d>
+                            <m:r>
+                              <a:rPr lang="en-US" altLang="zh-CN" sz="3200" i="1">
+                                <a:latin typeface="Cambria Math" panose="02040503050406030204" pitchFamily="18" charset="0"/>
+                                <a:ea typeface="Cambria Math" panose="02040503050406030204" pitchFamily="18" charset="0"/>
+                              </a:rPr>
+                              <m:t>÷</m:t>
+                            </m:r>
+                            <m:r>
+                              <a:rPr lang="en-US" altLang="zh-CN" sz="3200" b="0" i="1" smtClean="0">
+                                <a:latin typeface="Cambria Math" panose="02040503050406030204" pitchFamily="18" charset="0"/>
+                                <a:ea typeface="Cambria Math" panose="02040503050406030204" pitchFamily="18" charset="0"/>
+                              </a:rPr>
+                              <m:t>2</m:t>
+                            </m:r>
+                          </m:e>
+                        </m:d>
+                      </m:den>
+                    </m:f>
+                  </m:oMath>
+                </a14:m>
+                <a:endParaRPr lang="en-US" altLang="zh-CN" sz="3200" dirty="0"/>
+              </a:p>
+              <a:p>
+                <a:pPr algn="just"/>
+                <a:r>
+                  <a:rPr lang="en-US" altLang="zh-CN" sz="3200" dirty="0"/>
+                  <a:t>	Till now, all goals are achieved.</a:t>
+                </a:r>
+              </a:p>
+            </p:txBody>
+          </p:sp>
+        </mc:Choice>
+        <mc:Fallback>
+          <p:sp>
+            <p:nvSpPr>
+              <p:cNvPr id="3" name="文本框 2">
+                <a:extLst>
+                  <a:ext uri="{FF2B5EF4-FFF2-40B4-BE49-F238E27FC236}">
+                    <a16:creationId xmlns:a16="http://schemas.microsoft.com/office/drawing/2014/main" id="{203DCA77-881E-4056-A99C-6AF8EF7008CB}"/>
+                  </a:ext>
+                </a:extLst>
+              </p:cNvPr>
+              <p:cNvSpPr txBox="1">
+                <a:spLocks noRot="1" noChangeAspect="1" noMove="1" noResize="1" noEditPoints="1" noAdjustHandles="1" noChangeArrowheads="1" noChangeShapeType="1" noTextEdit="1"/>
+              </p:cNvSpPr>
+              <p:nvPr/>
+            </p:nvSpPr>
+            <p:spPr>
+              <a:xfrm>
+                <a:off x="779282" y="1735155"/>
+                <a:ext cx="10633435" cy="3479094"/>
+              </a:xfrm>
+              <a:prstGeom prst="rect">
+                <a:avLst/>
+              </a:prstGeom>
+              <a:blipFill>
+                <a:blip r:embed="rId2"/>
+                <a:stretch>
+                  <a:fillRect l="-1491" t="-2281" r="-1433" b="-4912"/>
+                </a:stretch>
+              </a:blipFill>
+            </p:spPr>
+            <p:txBody>
+              <a:bodyPr/>
+              <a:lstStyle/>
+              <a:p>
+                <a:r>
+                  <a:rPr lang="zh-CN" altLang="en-US">
+                    <a:noFill/>
+                  </a:rPr>
+                  <a:t> </a:t>
+                </a:r>
+              </a:p>
+            </p:txBody>
+          </p:sp>
+        </mc:Fallback>
+      </mc:AlternateContent>
+    </p:spTree>
+    <p:extLst>
+      <p:ext uri="{BB962C8B-B14F-4D97-AF65-F5344CB8AC3E}">
+        <p14:creationId xmlns:p14="http://schemas.microsoft.com/office/powerpoint/2010/main" val="686342340"/>
+      </p:ext>
+    </p:extLst>
+  </p:cSld>
+  <p:clrMapOvr>
+    <a:masterClrMapping/>
+  </p:clrMapOvr>
+</p:sld>
+</file>
+
+<file path=ppt/slides/slide7.xml><?xml version="1.0" encoding="utf-8"?>
+<p:sld xmlns:a="http://schemas.openxmlformats.org/drawingml/2006/main" xmlns:r="http://schemas.openxmlformats.org/officeDocument/2006/relationships" xmlns:p="http://schemas.openxmlformats.org/presentationml/2006/main">
+  <p:cSld>
+    <p:spTree>
+      <p:nvGrpSpPr>
+        <p:cNvPr id="1" name=""/>
+        <p:cNvGrpSpPr/>
+        <p:nvPr/>
+      </p:nvGrpSpPr>
+      <p:grpSpPr>
+        <a:xfrm>
+          <a:off x="0" y="0"/>
+          <a:ext cx="0" cy="0"/>
+          <a:chOff x="0" y="0"/>
+          <a:chExt cx="0" cy="0"/>
+        </a:xfrm>
+      </p:grpSpPr>
+      <p:sp>
+        <p:nvSpPr>
+          <p:cNvPr id="2" name="文本框 1">
+            <a:extLst>
+              <a:ext uri="{FF2B5EF4-FFF2-40B4-BE49-F238E27FC236}">
+                <a16:creationId xmlns:a16="http://schemas.microsoft.com/office/drawing/2014/main" id="{883FA058-3D51-414E-B0DA-006F030BE72E}"/>
+              </a:ext>
+            </a:extLst>
+          </p:cNvPr>
+          <p:cNvSpPr txBox="1"/>
+          <p:nvPr/>
+        </p:nvSpPr>
+        <p:spPr>
+          <a:xfrm>
+            <a:off x="208840" y="0"/>
+            <a:ext cx="5137608" cy="1200329"/>
+          </a:xfrm>
+          <a:prstGeom prst="rect">
+            <a:avLst/>
+          </a:prstGeom>
+          <a:noFill/>
+        </p:spPr>
+        <p:txBody>
+          <a:bodyPr wrap="square" rtlCol="0">
+            <a:spAutoFit/>
+          </a:bodyPr>
+          <a:lstStyle/>
+          <a:p>
+            <a:r>
+              <a:rPr lang="en-US" altLang="zh-CN" sz="3600" dirty="0"/>
+              <a:t>3. Conclusion and</a:t>
+            </a:r>
+          </a:p>
+          <a:p>
+            <a:pPr algn="r"/>
+            <a:r>
+              <a:rPr lang="en-US" altLang="zh-CN" sz="3600" dirty="0"/>
+              <a:t> Thoughts</a:t>
+            </a:r>
+            <a:endParaRPr lang="zh-CN" altLang="en-US" sz="3600" dirty="0"/>
+          </a:p>
+        </p:txBody>
+      </p:sp>
+      <p:sp>
+        <p:nvSpPr>
+          <p:cNvPr id="3" name="文本框 2">
+            <a:extLst>
+              <a:ext uri="{FF2B5EF4-FFF2-40B4-BE49-F238E27FC236}">
+                <a16:creationId xmlns:a16="http://schemas.microsoft.com/office/drawing/2014/main" id="{2B636D94-5B77-4D92-A2A6-A0FEC80D4B33}"/>
+              </a:ext>
+            </a:extLst>
+          </p:cNvPr>
+          <p:cNvSpPr txBox="1"/>
+          <p:nvPr/>
+        </p:nvSpPr>
+        <p:spPr>
+          <a:xfrm>
+            <a:off x="779282" y="1735155"/>
+            <a:ext cx="10633435" cy="4031873"/>
+          </a:xfrm>
+          <a:prstGeom prst="rect">
+            <a:avLst/>
+          </a:prstGeom>
+          <a:noFill/>
+        </p:spPr>
+        <p:txBody>
+          <a:bodyPr wrap="square" rtlCol="0">
+            <a:spAutoFit/>
+          </a:bodyPr>
+          <a:lstStyle/>
+          <a:p>
+            <a:pPr algn="just"/>
+            <a:r>
+              <a:rPr lang="en-US" altLang="zh-CN" sz="3200" dirty="0"/>
+              <a:t>	In conclusion, we have all the requirements done with our method. Though there still have many place can be optimized, due to the limitation of time, we just stop now.</a:t>
+            </a:r>
+          </a:p>
+          <a:p>
+            <a:pPr algn="just"/>
+            <a:r>
+              <a:rPr lang="en-US" altLang="zh-CN" sz="3200" dirty="0"/>
+              <a:t>	In fact, we have a more accurate approach to match those points, but it is hard to implement, with more calculations and data to be stored in different data structure. It is also hard to compute since that approach has a really high time complexity and thus we give up from it.</a:t>
+            </a:r>
+          </a:p>
+        </p:txBody>
+      </p:sp>
+    </p:spTree>
+    <p:extLst>
+      <p:ext uri="{BB962C8B-B14F-4D97-AF65-F5344CB8AC3E}">
+        <p14:creationId xmlns:p14="http://schemas.microsoft.com/office/powerpoint/2010/main" val="1789545158"/>
+      </p:ext>
+    </p:extLst>
+  </p:cSld>
+  <p:clrMapOvr>
+    <a:masterClrMapping/>
+  </p:clrMapOvr>
+</p:sld>
+</file>
+
+<file path=ppt/slides/slide8.xml><?xml version="1.0" encoding="utf-8"?>
+<p:sld xmlns:a="http://schemas.openxmlformats.org/drawingml/2006/main" xmlns:r="http://schemas.openxmlformats.org/officeDocument/2006/relationships" xmlns:p="http://schemas.openxmlformats.org/presentationml/2006/main">
+  <p:cSld>
+    <p:spTree>
+      <p:nvGrpSpPr>
+        <p:cNvPr id="1" name=""/>
+        <p:cNvGrpSpPr/>
+        <p:nvPr/>
+      </p:nvGrpSpPr>
+      <p:grpSpPr>
+        <a:xfrm>
+          <a:off x="0" y="0"/>
+          <a:ext cx="0" cy="0"/>
+          <a:chOff x="0" y="0"/>
+          <a:chExt cx="0" cy="0"/>
+        </a:xfrm>
+      </p:grpSpPr>
+      <p:sp>
+        <p:nvSpPr>
+          <p:cNvPr id="2" name="文本框 1">
+            <a:extLst>
+              <a:ext uri="{FF2B5EF4-FFF2-40B4-BE49-F238E27FC236}">
+                <a16:creationId xmlns:a16="http://schemas.microsoft.com/office/drawing/2014/main" id="{EB0C3DEE-521F-447A-B0F3-574AB009E121}"/>
+              </a:ext>
+            </a:extLst>
+          </p:cNvPr>
+          <p:cNvSpPr txBox="1"/>
+          <p:nvPr/>
+        </p:nvSpPr>
+        <p:spPr>
+          <a:xfrm>
+            <a:off x="208840" y="0"/>
+            <a:ext cx="5137608" cy="1200329"/>
+          </a:xfrm>
+          <a:prstGeom prst="rect">
+            <a:avLst/>
+          </a:prstGeom>
+          <a:noFill/>
+        </p:spPr>
+        <p:txBody>
+          <a:bodyPr wrap="square" rtlCol="0">
+            <a:spAutoFit/>
+          </a:bodyPr>
+          <a:lstStyle/>
+          <a:p>
+            <a:r>
+              <a:rPr lang="en-US" altLang="zh-CN" sz="3600" dirty="0"/>
+              <a:t>3. Conclusion and</a:t>
+            </a:r>
+          </a:p>
+          <a:p>
+            <a:pPr algn="r"/>
+            <a:r>
+              <a:rPr lang="en-US" altLang="zh-CN" sz="3600" dirty="0"/>
+              <a:t> Thoughts</a:t>
+            </a:r>
+            <a:endParaRPr lang="zh-CN" altLang="en-US" sz="3600" dirty="0"/>
+          </a:p>
+        </p:txBody>
+      </p:sp>
+      <p:sp>
+        <p:nvSpPr>
+          <p:cNvPr id="3" name="文本框 2">
+            <a:extLst>
+              <a:ext uri="{FF2B5EF4-FFF2-40B4-BE49-F238E27FC236}">
+                <a16:creationId xmlns:a16="http://schemas.microsoft.com/office/drawing/2014/main" id="{399D3F1A-04C1-4A20-8160-648AACB162FA}"/>
+              </a:ext>
+            </a:extLst>
+          </p:cNvPr>
+          <p:cNvSpPr txBox="1"/>
+          <p:nvPr/>
+        </p:nvSpPr>
+        <p:spPr>
+          <a:xfrm>
+            <a:off x="779282" y="1304332"/>
+            <a:ext cx="10633435" cy="5509200"/>
+          </a:xfrm>
+          <a:prstGeom prst="rect">
+            <a:avLst/>
+          </a:prstGeom>
+          <a:noFill/>
+        </p:spPr>
+        <p:txBody>
+          <a:bodyPr wrap="square" rtlCol="0">
+            <a:spAutoFit/>
+          </a:bodyPr>
+          <a:lstStyle/>
+          <a:p>
+            <a:pPr algn="just"/>
+            <a:r>
+              <a:rPr lang="en-US" altLang="zh-CN" sz="3200" dirty="0"/>
+              <a:t>	We also met many difficulties while computing slopes. There are many kind of links, some of them are not just a straight way, they might be a circle goes down from highway, with two nodes very close in latitude and longitude but 5 meters away from altitude. This makes it a pretty large sin number. We try to find out a way deal with it, but we didn’t get any idea and can only ignore them.</a:t>
+            </a:r>
+          </a:p>
+          <a:p>
+            <a:pPr algn="just"/>
+            <a:r>
+              <a:rPr lang="en-US" altLang="zh-CN" sz="3200" dirty="0"/>
+              <a:t>	Though our work is not so perfect, we were still very happy to play with these data and this homework. Our knowledges that learnt from class were enhanced, and implement experiences are achieved.</a:t>
+            </a:r>
+          </a:p>
+        </p:txBody>
+      </p:sp>
+    </p:spTree>
+    <p:extLst>
+      <p:ext uri="{BB962C8B-B14F-4D97-AF65-F5344CB8AC3E}">
+        <p14:creationId xmlns:p14="http://schemas.microsoft.com/office/powerpoint/2010/main" val="4062932931"/>
+      </p:ext>
+    </p:extLst>
+  </p:cSld>
+  <p:clrMapOvr>
+    <a:masterClrMapping/>
+  </p:clrMapOvr>
+</p:sld>
+</file>
+
+<file path=ppt/slides/slide9.xml><?xml version="1.0" encoding="utf-8"?>
 <p:sld xmlns:a="http://schemas.openxmlformats.org/drawingml/2006/main" xmlns:r="http://schemas.openxmlformats.org/officeDocument/2006/relationships" xmlns:p="http://schemas.openxmlformats.org/presentationml/2006/main">
   <p:cSld>
     <p:spTree>
